--- a/source/files/trial_flyer_2016_05.pptx
+++ b/source/files/trial_flyer_2016_05.pptx
@@ -3899,7 +3899,27 @@
             </a:r>
             <a:r>
               <a:rPr lang="ja-JP" altLang="en-US" sz="800" dirty="0" smtClean="0"/>
-              <a:t>３年生およびその保護者を対象としておりますが、お子さんだけでの参加、地域のＩＴリーダ、プログラミングに興味がある方など、どなたでもご参加いただけます。</a:t>
+              <a:t>３年生およびその保護者を対象としております</a:t>
+            </a:r>
+            <a:r>
+              <a:rPr lang="ja-JP" altLang="en-US" sz="800" dirty="0"/>
+              <a:t>が、お子さんだけでの参加も可能です</a:t>
+            </a:r>
+            <a:r>
+              <a:rPr lang="ja-JP" altLang="en-US" sz="800" dirty="0" smtClean="0"/>
+              <a:t>。</a:t>
+            </a:r>
+            <a:endParaRPr lang="en-US" altLang="ja-JP" sz="800" dirty="0" smtClean="0"/>
+          </a:p>
+          <a:p>
+            <a:pPr defTabSz="657225"/>
+            <a:r>
+              <a:rPr lang="ja-JP" altLang="en-US" sz="800" dirty="0" smtClean="0"/>
+              <a:t>その他</a:t>
+            </a:r>
+            <a:r>
+              <a:rPr lang="ja-JP" altLang="en-US" sz="800" dirty="0"/>
+              <a:t>、地域のＩＴリーダ、プログラミングに興味がある方など、どなたでもご参加いただけます。</a:t>
             </a:r>
             <a:r>
               <a:rPr lang="en-US" altLang="ja-JP" sz="800" dirty="0"/>
@@ -4234,7 +4254,7 @@
                 <a:latin typeface="+mj-ea"/>
                 <a:ea typeface="+mj-ea"/>
               </a:rPr>
-              <a:t>📌親子で</a:t>
+              <a:t>📌</a:t>
             </a:r>
             <a:r>
               <a:rPr lang="en-US" altLang="ja-JP" sz="800" b="1" u="sng" dirty="0" smtClean="0">
@@ -4371,8 +4391,12 @@
               <a:t>Ruby</a:t>
             </a:r>
             <a:r>
+              <a:rPr lang="ja-JP" altLang="en-US" sz="700" smtClean="0"/>
+              <a:t>を体験</a:t>
+            </a:r>
+            <a:r>
               <a:rPr lang="ja-JP" altLang="en-US" sz="700" dirty="0" smtClean="0"/>
-              <a:t>を親子で体験して、感じて、本当の意味で</a:t>
+              <a:t>して、感じて、本当の意味で</a:t>
             </a:r>
             <a:r>
               <a:rPr lang="en-US" altLang="ja-JP" sz="700" dirty="0" smtClean="0"/>
